--- a/JAVA PPT/Day14.pptx
+++ b/JAVA PPT/Day14.pptx
@@ -252,6 +252,22 @@
       </a:defRPr>
     </a:lvl9pPr>
   </p:defaultTextStyle>
+  <p:extLst>
+    <p:ext uri="{EFAFB233-063F-42B5-8137-9DF3F51BA10A}">
+      <p15:sldGuideLst xmlns:p15="http://schemas.microsoft.com/office/powerpoint/2012/main">
+        <p15:guide id="1" orient="horz" pos="1620" userDrawn="1">
+          <p15:clr>
+            <a:srgbClr val="A4A3A4"/>
+          </p15:clr>
+        </p15:guide>
+        <p15:guide id="2" pos="2876" userDrawn="1">
+          <p15:clr>
+            <a:srgbClr val="A4A3A4"/>
+          </p15:clr>
+        </p15:guide>
+      </p15:sldGuideLst>
+    </p:ext>
+  </p:extLst>
 </p:presentation>
 </file>
 
@@ -10866,25 +10882,70 @@
           </a:p>
         </p:txBody>
       </p:sp>
+      <p:sp>
+        <p:nvSpPr>
+          <p:cNvPr id="9" name="Text Box 8"/>
+          <p:cNvSpPr txBox="1"/>
+          <p:nvPr/>
+        </p:nvSpPr>
+        <p:spPr>
+          <a:xfrm>
+            <a:off x="1147445" y="3356610"/>
+            <a:ext cx="2059305" cy="553085"/>
+          </a:xfrm>
+          <a:prstGeom prst="rect">
+            <a:avLst/>
+          </a:prstGeom>
+          <a:noFill/>
+        </p:spPr>
+        <p:txBody>
+          <a:bodyPr wrap="square" rtlCol="0">
+            <a:spAutoFit/>
+          </a:bodyPr>
+          <a:p>
+            <a:r>
+              <a:rPr lang="en-US" sz="1500">
+                <a:solidFill>
+                  <a:schemeClr val="accent6"/>
+                </a:solidFill>
+                <a:latin typeface="firacode" charset="0"/>
+                <a:cs typeface="firacode" charset="0"/>
+              </a:rPr>
+              <a:t>Syntax for Default Constructor</a:t>
+            </a:r>
+            <a:endParaRPr lang="en-US" sz="1500">
+              <a:solidFill>
+                <a:schemeClr val="accent6"/>
+              </a:solidFill>
+              <a:latin typeface="firacode" charset="0"/>
+              <a:cs typeface="firacode" charset="0"/>
+            </a:endParaRPr>
+          </a:p>
+        </p:txBody>
+      </p:sp>
       <p:pic>
         <p:nvPicPr>
-          <p:cNvPr id="6" name="Picture 5" descr="cons"/>
+          <p:cNvPr id="3" name="Picture 2"/>
           <p:cNvPicPr>
             <a:picLocks noChangeAspect="1"/>
           </p:cNvPicPr>
-          <p:nvPr/>
+          <p:nvPr>
+            <p:custDataLst>
+              <p:tags r:id="rId1"/>
+            </p:custDataLst>
+          </p:nvPr>
         </p:nvPicPr>
         <p:blipFill>
-          <a:blip r:embed="rId1"/>
-          <a:srcRect l="6588" t="9741" r="6137" b="9296"/>
+          <a:blip r:embed="rId2"/>
+          <a:srcRect l="4962" t="9792" r="5286" b="10193"/>
           <a:stretch>
             <a:fillRect/>
           </a:stretch>
         </p:blipFill>
         <p:spPr>
           <a:xfrm>
-            <a:off x="3846830" y="1822450"/>
-            <a:ext cx="4217035" cy="2587625"/>
+            <a:off x="4431665" y="1850390"/>
+            <a:ext cx="4399280" cy="2661920"/>
           </a:xfrm>
           <a:prstGeom prst="rect">
             <a:avLst/>
@@ -10893,14 +10954,18 @@
       </p:pic>
       <p:sp>
         <p:nvSpPr>
-          <p:cNvPr id="7" name="Rectangles 6"/>
+          <p:cNvPr id="10" name="Rectangles 9"/>
           <p:cNvSpPr/>
-          <p:nvPr/>
+          <p:nvPr>
+            <p:custDataLst>
+              <p:tags r:id="rId3"/>
+            </p:custDataLst>
+          </p:nvPr>
         </p:nvSpPr>
         <p:spPr>
           <a:xfrm>
-            <a:off x="4449445" y="2915920"/>
-            <a:ext cx="3488055" cy="584835"/>
+            <a:off x="4840605" y="3416300"/>
+            <a:ext cx="3920490" cy="584835"/>
           </a:xfrm>
           <a:prstGeom prst="rect">
             <a:avLst/>
@@ -10930,16 +10995,20 @@
       </p:sp>
       <p:cxnSp>
         <p:nvCxnSpPr>
-          <p:cNvPr id="8" name="Straight Arrow Connector 7"/>
+          <p:cNvPr id="11" name="Straight Arrow Connector 10"/>
           <p:cNvCxnSpPr>
-            <a:stCxn id="7" idx="1"/>
+            <a:stCxn id="10" idx="1"/>
           </p:cNvCxnSpPr>
-          <p:nvPr/>
+          <p:nvPr>
+            <p:custDataLst>
+              <p:tags r:id="rId4"/>
+            </p:custDataLst>
+          </p:nvPr>
         </p:nvCxnSpPr>
         <p:spPr>
           <a:xfrm flipH="1" flipV="1">
-            <a:off x="3132455" y="3199765"/>
-            <a:ext cx="1316990" cy="8890"/>
+            <a:off x="2865120" y="3694430"/>
+            <a:ext cx="1975485" cy="14605"/>
           </a:xfrm>
           <a:prstGeom prst="straightConnector1">
             <a:avLst/>
@@ -10963,47 +11032,6 @@
           </a:fontRef>
         </p:style>
       </p:cxnSp>
-      <p:sp>
-        <p:nvSpPr>
-          <p:cNvPr id="9" name="Text Box 8"/>
-          <p:cNvSpPr txBox="1"/>
-          <p:nvPr/>
-        </p:nvSpPr>
-        <p:spPr>
-          <a:xfrm>
-            <a:off x="1073150" y="2947670"/>
-            <a:ext cx="2059305" cy="553085"/>
-          </a:xfrm>
-          <a:prstGeom prst="rect">
-            <a:avLst/>
-          </a:prstGeom>
-          <a:noFill/>
-        </p:spPr>
-        <p:txBody>
-          <a:bodyPr wrap="square" rtlCol="0">
-            <a:spAutoFit/>
-          </a:bodyPr>
-          <a:p>
-            <a:r>
-              <a:rPr lang="en-US" sz="1500">
-                <a:solidFill>
-                  <a:schemeClr val="accent6"/>
-                </a:solidFill>
-                <a:latin typeface="firacode" charset="0"/>
-                <a:cs typeface="firacode" charset="0"/>
-              </a:rPr>
-              <a:t>Syntax for Default Constructor</a:t>
-            </a:r>
-            <a:endParaRPr lang="en-US" sz="1500">
-              <a:solidFill>
-                <a:schemeClr val="accent6"/>
-              </a:solidFill>
-              <a:latin typeface="firacode" charset="0"/>
-              <a:cs typeface="firacode" charset="0"/>
-            </a:endParaRPr>
-          </a:p>
-        </p:txBody>
-      </p:sp>
     </p:spTree>
   </p:cSld>
   <p:clrMapOvr>
@@ -11144,145 +11172,13 @@
                                   <p:stCondLst>
                                     <p:cond delay="0"/>
                                   </p:stCondLst>
-                                  <p:childTnLst>
-                                    <p:set>
-                                      <p:cBhvr>
-                                        <p:cTn id="14" dur="1" fill="hold">
-                                          <p:stCondLst>
-                                            <p:cond delay="0"/>
-                                          </p:stCondLst>
-                                        </p:cTn>
-                                        <p:tgtEl>
-                                          <p:spTgt spid="6"/>
-                                        </p:tgtEl>
-                                        <p:attrNameLst>
-                                          <p:attrName>style.visibility</p:attrName>
-                                        </p:attrNameLst>
-                                      </p:cBhvr>
-                                      <p:to>
-                                        <p:strVal val="visible"/>
-                                      </p:to>
-                                    </p:set>
-                                    <p:animEffect transition="in" filter="fade">
-                                      <p:cBhvr>
-                                        <p:cTn id="15" dur="500"/>
-                                        <p:tgtEl>
-                                          <p:spTgt spid="6"/>
-                                        </p:tgtEl>
-                                      </p:cBhvr>
-                                    </p:animEffect>
-                                  </p:childTnLst>
-                                </p:cTn>
-                              </p:par>
-                            </p:childTnLst>
-                          </p:cTn>
-                        </p:par>
-                        <p:par>
-                          <p:cTn id="16" fill="hold">
-                            <p:stCondLst>
-                              <p:cond delay="5900"/>
-                            </p:stCondLst>
-                            <p:childTnLst>
-                              <p:par>
-                                <p:cTn id="17" presetID="10" presetClass="entr" presetSubtype="0" fill="hold" grpId="0" nodeType="afterEffect">
-                                  <p:stCondLst>
-                                    <p:cond delay="0"/>
-                                  </p:stCondLst>
-                                  <p:childTnLst>
-                                    <p:set>
-                                      <p:cBhvr>
-                                        <p:cTn id="18" dur="1" fill="hold">
-                                          <p:stCondLst>
-                                            <p:cond delay="0"/>
-                                          </p:stCondLst>
-                                        </p:cTn>
-                                        <p:tgtEl>
-                                          <p:spTgt spid="7"/>
-                                        </p:tgtEl>
-                                        <p:attrNameLst>
-                                          <p:attrName>style.visibility</p:attrName>
-                                        </p:attrNameLst>
-                                      </p:cBhvr>
-                                      <p:to>
-                                        <p:strVal val="visible"/>
-                                      </p:to>
-                                    </p:set>
-                                    <p:animEffect transition="in" filter="fade">
-                                      <p:cBhvr>
-                                        <p:cTn id="19" dur="500"/>
-                                        <p:tgtEl>
-                                          <p:spTgt spid="7"/>
-                                        </p:tgtEl>
-                                      </p:cBhvr>
-                                    </p:animEffect>
-                                  </p:childTnLst>
-                                </p:cTn>
-                              </p:par>
-                            </p:childTnLst>
-                          </p:cTn>
-                        </p:par>
-                        <p:par>
-                          <p:cTn id="20" fill="hold">
-                            <p:stCondLst>
-                              <p:cond delay="6400"/>
-                            </p:stCondLst>
-                            <p:childTnLst>
-                              <p:par>
-                                <p:cTn id="21" presetID="10" presetClass="entr" presetSubtype="0" fill="hold" nodeType="afterEffect">
-                                  <p:stCondLst>
-                                    <p:cond delay="0"/>
-                                  </p:stCondLst>
-                                  <p:childTnLst>
-                                    <p:set>
-                                      <p:cBhvr>
-                                        <p:cTn id="22" dur="1" fill="hold">
-                                          <p:stCondLst>
-                                            <p:cond delay="0"/>
-                                          </p:stCondLst>
-                                        </p:cTn>
-                                        <p:tgtEl>
-                                          <p:spTgt spid="8"/>
-                                        </p:tgtEl>
-                                        <p:attrNameLst>
-                                          <p:attrName>style.visibility</p:attrName>
-                                        </p:attrNameLst>
-                                      </p:cBhvr>
-                                      <p:to>
-                                        <p:strVal val="visible"/>
-                                      </p:to>
-                                    </p:set>
-                                    <p:animEffect transition="in" filter="fade">
-                                      <p:cBhvr>
-                                        <p:cTn id="23" dur="500"/>
-                                        <p:tgtEl>
-                                          <p:spTgt spid="8"/>
-                                        </p:tgtEl>
-                                      </p:cBhvr>
-                                    </p:animEffect>
-                                  </p:childTnLst>
-                                </p:cTn>
-                              </p:par>
-                            </p:childTnLst>
-                          </p:cTn>
-                        </p:par>
-                        <p:par>
-                          <p:cTn id="24" fill="hold">
-                            <p:stCondLst>
-                              <p:cond delay="6900"/>
-                            </p:stCondLst>
-                            <p:childTnLst>
-                              <p:par>
-                                <p:cTn id="25" presetID="10" presetClass="entr" presetSubtype="0" fill="hold" nodeType="afterEffect">
-                                  <p:stCondLst>
-                                    <p:cond delay="0"/>
-                                  </p:stCondLst>
                                   <p:iterate type="lt">
                                     <p:tmPct val="10000"/>
                                   </p:iterate>
                                   <p:childTnLst>
                                     <p:set>
                                       <p:cBhvr>
-                                        <p:cTn id="26" dur="1" fill="hold">
+                                        <p:cTn id="14" dur="1" fill="hold">
                                           <p:stCondLst>
                                             <p:cond delay="0"/>
                                           </p:stCondLst>
@@ -11304,13 +11200,110 @@
                                     </p:set>
                                     <p:animEffect transition="in" filter="fade">
                                       <p:cBhvr>
-                                        <p:cTn id="27" dur="500"/>
+                                        <p:cTn id="15" dur="500"/>
                                         <p:tgtEl>
                                           <p:spTgt spid="9">
                                             <p:txEl>
                                               <p:pRg st="0" end="0"/>
                                             </p:txEl>
                                           </p:spTgt>
+                                        </p:tgtEl>
+                                      </p:cBhvr>
+                                    </p:animEffect>
+                                  </p:childTnLst>
+                                </p:cTn>
+                              </p:par>
+                            </p:childTnLst>
+                          </p:cTn>
+                        </p:par>
+                        <p:par>
+                          <p:cTn id="16" fill="hold">
+                            <p:stCondLst>
+                              <p:cond delay="7350"/>
+                            </p:stCondLst>
+                            <p:childTnLst>
+                              <p:par>
+                                <p:cTn id="17" presetID="10" presetClass="entr" presetSubtype="0" fill="hold" grpId="0" nodeType="afterEffect">
+                                  <p:stCondLst>
+                                    <p:cond delay="0"/>
+                                  </p:stCondLst>
+                                  <p:childTnLst>
+                                    <p:set>
+                                      <p:cBhvr>
+                                        <p:cTn id="18" dur="1" fill="hold">
+                                          <p:stCondLst>
+                                            <p:cond delay="0"/>
+                                          </p:stCondLst>
+                                        </p:cTn>
+                                        <p:tgtEl>
+                                          <p:spTgt spid="10"/>
+                                        </p:tgtEl>
+                                        <p:attrNameLst>
+                                          <p:attrName>style.visibility</p:attrName>
+                                        </p:attrNameLst>
+                                      </p:cBhvr>
+                                      <p:to>
+                                        <p:strVal val="visible"/>
+                                      </p:to>
+                                    </p:set>
+                                    <p:animEffect transition="in" filter="fade">
+                                      <p:cBhvr>
+                                        <p:cTn id="19" dur="500"/>
+                                        <p:tgtEl>
+                                          <p:spTgt spid="10"/>
+                                        </p:tgtEl>
+                                      </p:cBhvr>
+                                    </p:animEffect>
+                                  </p:childTnLst>
+                                </p:cTn>
+                              </p:par>
+                            </p:childTnLst>
+                          </p:cTn>
+                        </p:par>
+                      </p:childTnLst>
+                    </p:cTn>
+                  </p:par>
+                  <p:par>
+                    <p:cTn id="20" fill="hold">
+                      <p:stCondLst>
+                        <p:cond delay="indefinite"/>
+                      </p:stCondLst>
+                      <p:childTnLst>
+                        <p:par>
+                          <p:cTn id="21" fill="hold">
+                            <p:stCondLst>
+                              <p:cond delay="0"/>
+                            </p:stCondLst>
+                            <p:childTnLst>
+                              <p:par>
+                                <p:cTn id="22" presetID="10" presetClass="entr" presetSubtype="0" fill="hold" nodeType="clickEffect">
+                                  <p:stCondLst>
+                                    <p:cond delay="0"/>
+                                  </p:stCondLst>
+                                  <p:childTnLst>
+                                    <p:set>
+                                      <p:cBhvr>
+                                        <p:cTn id="23" dur="1" fill="hold">
+                                          <p:stCondLst>
+                                            <p:cond delay="0"/>
+                                          </p:stCondLst>
+                                        </p:cTn>
+                                        <p:tgtEl>
+                                          <p:spTgt spid="11"/>
+                                        </p:tgtEl>
+                                        <p:attrNameLst>
+                                          <p:attrName>style.visibility</p:attrName>
+                                        </p:attrNameLst>
+                                      </p:cBhvr>
+                                      <p:to>
+                                        <p:strVal val="visible"/>
+                                      </p:to>
+                                    </p:set>
+                                    <p:animEffect transition="in" filter="fade">
+                                      <p:cBhvr>
+                                        <p:cTn id="24" dur="500"/>
+                                        <p:tgtEl>
+                                          <p:spTgt spid="11"/>
                                         </p:tgtEl>
                                       </p:cBhvr>
                                     </p:animEffect>
@@ -11345,8 +11338,8 @@
       </p:par>
     </p:tnLst>
     <p:bldLst>
-      <p:bldP spid="7" grpId="0" animBg="1"/>
-      <p:bldP spid="7" grpId="1" animBg="1"/>
+      <p:bldP spid="10" grpId="0" bldLvl="0" animBg="1"/>
+      <p:bldP spid="10" grpId="1" animBg="1"/>
     </p:bldLst>
   </p:timing>
 </p:sld>
@@ -11585,7 +11578,7 @@
         </p:nvSpPr>
         <p:spPr>
           <a:xfrm>
-            <a:off x="1285875" y="2990215"/>
+            <a:off x="1285875" y="3217545"/>
             <a:ext cx="1957705" cy="783590"/>
           </a:xfrm>
           <a:prstGeom prst="rect">
@@ -11620,23 +11613,27 @@
       </p:sp>
       <p:pic>
         <p:nvPicPr>
-          <p:cNvPr id="2" name="Picture 1" descr="paracons"/>
+          <p:cNvPr id="7" name="Picture 6"/>
           <p:cNvPicPr>
             <a:picLocks noChangeAspect="1"/>
           </p:cNvPicPr>
-          <p:nvPr/>
+          <p:nvPr>
+            <p:custDataLst>
+              <p:tags r:id="rId1"/>
+            </p:custDataLst>
+          </p:nvPr>
         </p:nvPicPr>
         <p:blipFill>
-          <a:blip r:embed="rId1"/>
-          <a:srcRect l="5235" t="7445" r="5280" b="7384"/>
+          <a:blip r:embed="rId2"/>
+          <a:srcRect l="5192" t="9195" r="5164" b="9391"/>
           <a:stretch>
             <a:fillRect/>
           </a:stretch>
         </p:blipFill>
         <p:spPr>
           <a:xfrm>
-            <a:off x="4018280" y="1585595"/>
-            <a:ext cx="4793615" cy="2923540"/>
+            <a:off x="4348480" y="1750695"/>
+            <a:ext cx="4264025" cy="2662555"/>
           </a:xfrm>
           <a:prstGeom prst="rect">
             <a:avLst/>
@@ -11651,8 +11648,8 @@
         </p:nvSpPr>
         <p:spPr>
           <a:xfrm>
-            <a:off x="4671060" y="3035935"/>
-            <a:ext cx="3920490" cy="584835"/>
+            <a:off x="4773295" y="3317240"/>
+            <a:ext cx="3920490" cy="614680"/>
           </a:xfrm>
           <a:prstGeom prst="rect">
             <a:avLst/>
@@ -11690,8 +11687,8 @@
         </p:nvCxnSpPr>
         <p:spPr>
           <a:xfrm flipH="1" flipV="1">
-            <a:off x="3243580" y="3323590"/>
-            <a:ext cx="1427480" cy="5080"/>
+            <a:off x="2797810" y="3609975"/>
+            <a:ext cx="1975485" cy="14605"/>
           </a:xfrm>
           <a:prstGeom prst="straightConnector1">
             <a:avLst/>
@@ -11844,74 +11841,21 @@
                             </p:childTnLst>
                           </p:cTn>
                         </p:par>
-                      </p:childTnLst>
-                    </p:cTn>
-                  </p:par>
-                  <p:par>
-                    <p:cTn id="12" fill="hold">
-                      <p:stCondLst>
-                        <p:cond delay="indefinite"/>
-                      </p:stCondLst>
-                      <p:childTnLst>
                         <p:par>
-                          <p:cTn id="13" fill="hold">
+                          <p:cTn id="12" fill="hold">
                             <p:stCondLst>
-                              <p:cond delay="0"/>
+                              <p:cond delay="5599"/>
                             </p:stCondLst>
                             <p:childTnLst>
                               <p:par>
-                                <p:cTn id="14" presetID="10" presetClass="entr" presetSubtype="0" fill="hold" nodeType="clickEffect">
+                                <p:cTn id="13" presetID="10" presetClass="entr" presetSubtype="0" fill="hold" grpId="0" nodeType="afterEffect">
                                   <p:stCondLst>
                                     <p:cond delay="0"/>
                                   </p:stCondLst>
                                   <p:childTnLst>
                                     <p:set>
                                       <p:cBhvr>
-                                        <p:cTn id="15" dur="1" fill="hold">
-                                          <p:stCondLst>
-                                            <p:cond delay="0"/>
-                                          </p:stCondLst>
-                                        </p:cTn>
-                                        <p:tgtEl>
-                                          <p:spTgt spid="2"/>
-                                        </p:tgtEl>
-                                        <p:attrNameLst>
-                                          <p:attrName>style.visibility</p:attrName>
-                                        </p:attrNameLst>
-                                      </p:cBhvr>
-                                      <p:to>
-                                        <p:strVal val="visible"/>
-                                      </p:to>
-                                    </p:set>
-                                    <p:animEffect transition="in" filter="fade">
-                                      <p:cBhvr>
-                                        <p:cTn id="16" dur="500"/>
-                                        <p:tgtEl>
-                                          <p:spTgt spid="2"/>
-                                        </p:tgtEl>
-                                      </p:cBhvr>
-                                    </p:animEffect>
-                                  </p:childTnLst>
-                                </p:cTn>
-                              </p:par>
-                            </p:childTnLst>
-                          </p:cTn>
-                        </p:par>
-                        <p:par>
-                          <p:cTn id="17" fill="hold">
-                            <p:stCondLst>
-                              <p:cond delay="500"/>
-                            </p:stCondLst>
-                            <p:childTnLst>
-                              <p:par>
-                                <p:cTn id="18" presetID="10" presetClass="entr" presetSubtype="0" fill="hold" grpId="0" nodeType="afterEffect">
-                                  <p:stCondLst>
-                                    <p:cond delay="0"/>
-                                  </p:stCondLst>
-                                  <p:childTnLst>
-                                    <p:set>
-                                      <p:cBhvr>
-                                        <p:cTn id="19" dur="1" fill="hold">
+                                        <p:cTn id="14" dur="1" fill="hold">
                                           <p:stCondLst>
                                             <p:cond delay="0"/>
                                           </p:stCondLst>
@@ -11929,7 +11873,7 @@
                                     </p:set>
                                     <p:animEffect transition="in" filter="fade">
                                       <p:cBhvr>
-                                        <p:cTn id="20" dur="500"/>
+                                        <p:cTn id="15" dur="500"/>
                                         <p:tgtEl>
                                           <p:spTgt spid="3"/>
                                         </p:tgtEl>
@@ -11945,26 +11889,26 @@
                     </p:cTn>
                   </p:par>
                   <p:par>
-                    <p:cTn id="21" fill="hold">
+                    <p:cTn id="16" fill="hold">
                       <p:stCondLst>
                         <p:cond delay="indefinite"/>
                       </p:stCondLst>
                       <p:childTnLst>
                         <p:par>
-                          <p:cTn id="22" fill="hold">
+                          <p:cTn id="17" fill="hold">
                             <p:stCondLst>
                               <p:cond delay="0"/>
                             </p:stCondLst>
                             <p:childTnLst>
                               <p:par>
-                                <p:cTn id="23" presetID="10" presetClass="entr" presetSubtype="0" fill="hold" nodeType="clickEffect">
+                                <p:cTn id="18" presetID="10" presetClass="entr" presetSubtype="0" fill="hold" nodeType="clickEffect">
                                   <p:stCondLst>
                                     <p:cond delay="0"/>
                                   </p:stCondLst>
                                   <p:childTnLst>
                                     <p:set>
                                       <p:cBhvr>
-                                        <p:cTn id="24" dur="1" fill="hold">
+                                        <p:cTn id="19" dur="1" fill="hold">
                                           <p:stCondLst>
                                             <p:cond delay="0"/>
                                           </p:stCondLst>
@@ -11982,7 +11926,7 @@
                                     </p:set>
                                     <p:animEffect transition="in" filter="fade">
                                       <p:cBhvr>
-                                        <p:cTn id="25" dur="500"/>
+                                        <p:cTn id="20" dur="500"/>
                                         <p:tgtEl>
                                           <p:spTgt spid="10"/>
                                         </p:tgtEl>
@@ -11995,13 +11939,13 @@
                           </p:cTn>
                         </p:par>
                         <p:par>
-                          <p:cTn id="26" fill="hold">
+                          <p:cTn id="21" fill="hold">
                             <p:stCondLst>
                               <p:cond delay="500"/>
                             </p:stCondLst>
                             <p:childTnLst>
                               <p:par>
-                                <p:cTn id="27" presetID="10" presetClass="entr" presetSubtype="0" fill="hold" nodeType="afterEffect">
+                                <p:cTn id="22" presetID="10" presetClass="entr" presetSubtype="0" fill="hold" nodeType="afterEffect">
                                   <p:stCondLst>
                                     <p:cond delay="0"/>
                                   </p:stCondLst>
@@ -12011,7 +11955,7 @@
                                   <p:childTnLst>
                                     <p:set>
                                       <p:cBhvr>
-                                        <p:cTn id="28" dur="1" fill="hold">
+                                        <p:cTn id="23" dur="1" fill="hold">
                                           <p:stCondLst>
                                             <p:cond delay="0"/>
                                           </p:stCondLst>
@@ -12033,7 +11977,7 @@
                                     </p:set>
                                     <p:animEffect transition="in" filter="fade">
                                       <p:cBhvr>
-                                        <p:cTn id="29" dur="500"/>
+                                        <p:cTn id="24" dur="500"/>
                                         <p:tgtEl>
                                           <p:spTgt spid="9">
                                             <p:txEl>
@@ -12074,7 +12018,7 @@
       </p:par>
     </p:tnLst>
     <p:bldLst>
-      <p:bldP spid="3" grpId="0" animBg="1"/>
+      <p:bldP spid="3" grpId="0" bldLvl="0" animBg="1"/>
       <p:bldP spid="3" grpId="1" animBg="1"/>
     </p:bldLst>
   </p:timing>
@@ -12297,23 +12241,27 @@
       </p:sp>
       <p:pic>
         <p:nvPicPr>
-          <p:cNvPr id="7" name="Picture 6" descr="paraconsover"/>
+          <p:cNvPr id="2" name="Picture 1"/>
           <p:cNvPicPr>
             <a:picLocks noChangeAspect="1"/>
           </p:cNvPicPr>
-          <p:nvPr/>
+          <p:nvPr>
+            <p:custDataLst>
+              <p:tags r:id="rId1"/>
+            </p:custDataLst>
+          </p:nvPr>
         </p:nvPicPr>
         <p:blipFill>
-          <a:blip r:embed="rId1"/>
-          <a:srcRect l="4834" t="7444" r="4877" b="6840"/>
+          <a:blip r:embed="rId2"/>
+          <a:srcRect l="-129174" t="-64136" r="-29432" b="-66596"/>
           <a:stretch>
             <a:fillRect/>
           </a:stretch>
         </p:blipFill>
         <p:spPr>
           <a:xfrm>
-            <a:off x="4416425" y="1023620"/>
-            <a:ext cx="4578350" cy="3126105"/>
+            <a:off x="-1291590" y="-1895475"/>
+            <a:ext cx="11449050" cy="8934450"/>
           </a:xfrm>
           <a:prstGeom prst="rect">
             <a:avLst/>
@@ -12405,57 +12353,13 @@
                                   <p:stCondLst>
                                     <p:cond delay="0"/>
                                   </p:stCondLst>
-                                  <p:childTnLst>
-                                    <p:set>
-                                      <p:cBhvr>
-                                        <p:cTn id="10" dur="1" fill="hold">
-                                          <p:stCondLst>
-                                            <p:cond delay="0"/>
-                                          </p:stCondLst>
-                                        </p:cTn>
-                                        <p:tgtEl>
-                                          <p:spTgt spid="7"/>
-                                        </p:tgtEl>
-                                        <p:attrNameLst>
-                                          <p:attrName>style.visibility</p:attrName>
-                                        </p:attrNameLst>
-                                      </p:cBhvr>
-                                      <p:to>
-                                        <p:strVal val="visible"/>
-                                      </p:to>
-                                    </p:set>
-                                    <p:animEffect transition="in" filter="fade">
-                                      <p:cBhvr>
-                                        <p:cTn id="11" dur="500"/>
-                                        <p:tgtEl>
-                                          <p:spTgt spid="7"/>
-                                        </p:tgtEl>
-                                      </p:cBhvr>
-                                    </p:animEffect>
-                                  </p:childTnLst>
-                                </p:cTn>
-                              </p:par>
-                            </p:childTnLst>
-                          </p:cTn>
-                        </p:par>
-                        <p:par>
-                          <p:cTn id="12" fill="hold">
-                            <p:stCondLst>
-                              <p:cond delay="2149"/>
-                            </p:stCondLst>
-                            <p:childTnLst>
-                              <p:par>
-                                <p:cTn id="13" presetID="10" presetClass="entr" presetSubtype="0" fill="hold" nodeType="afterEffect">
-                                  <p:stCondLst>
-                                    <p:cond delay="0"/>
-                                  </p:stCondLst>
                                   <p:iterate type="lt">
                                     <p:tmPct val="10000"/>
                                   </p:iterate>
                                   <p:childTnLst>
                                     <p:set>
                                       <p:cBhvr>
-                                        <p:cTn id="14" dur="1" fill="hold">
+                                        <p:cTn id="10" dur="1" fill="hold">
                                           <p:stCondLst>
                                             <p:cond delay="0"/>
                                           </p:stCondLst>
@@ -12477,7 +12381,7 @@
                                     </p:set>
                                     <p:animEffect transition="in" filter="fade">
                                       <p:cBhvr>
-                                        <p:cTn id="15" dur="500"/>
+                                        <p:cTn id="11" dur="500"/>
                                         <p:tgtEl>
                                           <p:spTgt spid="6">
                                             <p:txEl>
@@ -16436,55 +16340,20 @@
           </a:p>
         </p:txBody>
       </p:sp>
-      <p:pic>
-        <p:nvPicPr>
-          <p:cNvPr id="5" name="Picture 4" descr="cons"/>
-          <p:cNvPicPr>
-            <a:picLocks noChangeAspect="1"/>
-          </p:cNvPicPr>
-          <p:nvPr/>
-        </p:nvPicPr>
-        <p:blipFill>
-          <a:blip r:embed="rId1"/>
-          <a:srcRect l="6588" t="9741" r="6137" b="9296"/>
-          <a:stretch>
-            <a:fillRect/>
-          </a:stretch>
-        </p:blipFill>
-        <p:spPr>
-          <a:xfrm>
-            <a:off x="1331595" y="1149985"/>
-            <a:ext cx="4972685" cy="3243580"/>
-          </a:xfrm>
-          <a:prstGeom prst="rect">
-            <a:avLst/>
-          </a:prstGeom>
-        </p:spPr>
-      </p:pic>
       <p:sp>
         <p:nvSpPr>
-          <p:cNvPr id="6" name="Rectangles 5"/>
+          <p:cNvPr id="7" name="Rectangles 6"/>
           <p:cNvSpPr/>
           <p:nvPr/>
         </p:nvSpPr>
         <p:spPr>
           <a:xfrm>
-            <a:off x="2023745" y="2526665"/>
-            <a:ext cx="3987165" cy="613410"/>
+            <a:off x="2070735" y="2501265"/>
+            <a:ext cx="1049020" cy="249555"/>
           </a:xfrm>
           <a:prstGeom prst="rect">
             <a:avLst/>
           </a:prstGeom>
-          <a:noFill/>
-          <a:extLst>
-            <a:ext uri="{909E8E84-426E-40DD-AFC4-6F175D3DCCD1}">
-              <a14:hiddenFill xmlns:a14="http://schemas.microsoft.com/office/drawing/2010/main">
-                <a:solidFill>
-                  <a:srgbClr val="FF0000"/>
-                </a:solidFill>
-              </a14:hiddenFill>
-            </a:ext>
-          </a:extLst>
         </p:spPr>
         <p:style>
           <a:lnRef idx="2">
@@ -16510,18 +16379,139 @@
       </p:sp>
       <p:sp>
         <p:nvSpPr>
-          <p:cNvPr id="7" name="Rectangles 6"/>
+          <p:cNvPr id="9" name="Text Box 8"/>
+          <p:cNvSpPr txBox="1"/>
+          <p:nvPr/>
+        </p:nvSpPr>
+        <p:spPr>
+          <a:xfrm>
+            <a:off x="6473190" y="2418715"/>
+            <a:ext cx="2056130" cy="306705"/>
+          </a:xfrm>
+          <a:prstGeom prst="rect">
+            <a:avLst/>
+          </a:prstGeom>
+          <a:noFill/>
+        </p:spPr>
+        <p:txBody>
+          <a:bodyPr wrap="square" rtlCol="0">
+            <a:spAutoFit/>
+          </a:bodyPr>
+          <a:p>
+            <a:r>
+              <a:rPr lang="en-US">
+                <a:solidFill>
+                  <a:schemeClr val="accent6"/>
+                </a:solidFill>
+                <a:latin typeface="firacode" charset="0"/>
+                <a:cs typeface="firacode" charset="0"/>
+              </a:rPr>
+              <a:t>Constructor Calling</a:t>
+            </a:r>
+            <a:endParaRPr lang="en-US">
+              <a:solidFill>
+                <a:schemeClr val="accent6"/>
+              </a:solidFill>
+              <a:latin typeface="firacode" charset="0"/>
+              <a:cs typeface="firacode" charset="0"/>
+            </a:endParaRPr>
+          </a:p>
+        </p:txBody>
+      </p:sp>
+      <p:sp>
+        <p:nvSpPr>
+          <p:cNvPr id="10" name="Text Box 9"/>
+          <p:cNvSpPr txBox="1"/>
+          <p:nvPr/>
+        </p:nvSpPr>
+        <p:spPr>
+          <a:xfrm>
+            <a:off x="6894195" y="3286760"/>
+            <a:ext cx="2056130" cy="306705"/>
+          </a:xfrm>
+          <a:prstGeom prst="rect">
+            <a:avLst/>
+          </a:prstGeom>
+          <a:noFill/>
+        </p:spPr>
+        <p:txBody>
+          <a:bodyPr wrap="square" rtlCol="0">
+            <a:spAutoFit/>
+          </a:bodyPr>
+          <a:p>
+            <a:r>
+              <a:rPr lang="en-US">
+                <a:solidFill>
+                  <a:schemeClr val="accent6"/>
+                </a:solidFill>
+                <a:latin typeface="firacode" charset="0"/>
+                <a:cs typeface="firacode" charset="0"/>
+              </a:rPr>
+              <a:t>Default Constructor </a:t>
+            </a:r>
+            <a:endParaRPr lang="en-US">
+              <a:solidFill>
+                <a:schemeClr val="accent6"/>
+              </a:solidFill>
+              <a:latin typeface="firacode" charset="0"/>
+              <a:cs typeface="firacode" charset="0"/>
+            </a:endParaRPr>
+          </a:p>
+        </p:txBody>
+      </p:sp>
+      <p:pic>
+        <p:nvPicPr>
+          <p:cNvPr id="2" name="Picture 1"/>
+          <p:cNvPicPr>
+            <a:picLocks noChangeAspect="1"/>
+          </p:cNvPicPr>
+          <p:nvPr>
+            <p:custDataLst>
+              <p:tags r:id="rId1"/>
+            </p:custDataLst>
+          </p:nvPr>
+        </p:nvPicPr>
+        <p:blipFill>
+          <a:blip r:embed="rId2"/>
+          <a:srcRect l="4962" t="9792" r="5286" b="10193"/>
+          <a:stretch>
+            <a:fillRect/>
+          </a:stretch>
+        </p:blipFill>
+        <p:spPr>
+          <a:xfrm>
+            <a:off x="1102995" y="1294765"/>
+            <a:ext cx="4399280" cy="2661920"/>
+          </a:xfrm>
+          <a:prstGeom prst="rect">
+            <a:avLst/>
+          </a:prstGeom>
+        </p:spPr>
+      </p:pic>
+      <p:sp>
+        <p:nvSpPr>
+          <p:cNvPr id="6" name="Rectangles 5"/>
           <p:cNvSpPr/>
           <p:nvPr/>
         </p:nvSpPr>
         <p:spPr>
           <a:xfrm>
-            <a:off x="2452370" y="2106295"/>
-            <a:ext cx="1049020" cy="249555"/>
+            <a:off x="1693545" y="2904490"/>
+            <a:ext cx="3569335" cy="613410"/>
           </a:xfrm>
           <a:prstGeom prst="rect">
             <a:avLst/>
           </a:prstGeom>
+          <a:noFill/>
+          <a:extLst>
+            <a:ext uri="{909E8E84-426E-40DD-AFC4-6F175D3DCCD1}">
+              <a14:hiddenFill xmlns:a14="http://schemas.microsoft.com/office/drawing/2010/main">
+                <a:solidFill>
+                  <a:srgbClr val="FF0000"/>
+                </a:solidFill>
+              </a14:hiddenFill>
+            </a:ext>
+          </a:extLst>
         </p:spPr>
         <p:style>
           <a:lnRef idx="2">
@@ -16547,14 +16537,14 @@
       </p:sp>
       <p:cxnSp>
         <p:nvCxnSpPr>
-          <p:cNvPr id="8" name="Straight Arrow Connector 7"/>
+          <p:cNvPr id="11" name="Straight Arrow Connector 10"/>
           <p:cNvCxnSpPr/>
           <p:nvPr/>
         </p:nvCxnSpPr>
         <p:spPr>
-          <a:xfrm flipV="1">
-            <a:off x="3529330" y="2204720"/>
-            <a:ext cx="3201670" cy="14605"/>
+          <a:xfrm>
+            <a:off x="5262880" y="3395980"/>
+            <a:ext cx="1588770" cy="17780"/>
           </a:xfrm>
           <a:prstGeom prst="straightConnector1">
             <a:avLst/>
@@ -16580,103 +16570,32 @@
       </p:cxnSp>
       <p:sp>
         <p:nvSpPr>
-          <p:cNvPr id="9" name="Text Box 8"/>
-          <p:cNvSpPr txBox="1"/>
-          <p:nvPr/>
+          <p:cNvPr id="3" name="Rectangles 2"/>
+          <p:cNvSpPr/>
+          <p:nvPr>
+            <p:custDataLst>
+              <p:tags r:id="rId3"/>
+            </p:custDataLst>
+          </p:nvPr>
         </p:nvSpPr>
         <p:spPr>
           <a:xfrm>
-            <a:off x="6789420" y="1998345"/>
-            <a:ext cx="2056130" cy="306705"/>
+            <a:off x="2070735" y="2459990"/>
+            <a:ext cx="1048385" cy="290195"/>
           </a:xfrm>
           <a:prstGeom prst="rect">
             <a:avLst/>
           </a:prstGeom>
           <a:noFill/>
-        </p:spPr>
-        <p:txBody>
-          <a:bodyPr wrap="square" rtlCol="0">
-            <a:spAutoFit/>
-          </a:bodyPr>
-          <a:p>
-            <a:r>
-              <a:rPr lang="en-US">
-                <a:solidFill>
-                  <a:schemeClr val="accent6"/>
-                </a:solidFill>
-                <a:latin typeface="firacode" charset="0"/>
-                <a:cs typeface="firacode" charset="0"/>
-              </a:rPr>
-              <a:t>Constructor Calling</a:t>
-            </a:r>
-            <a:endParaRPr lang="en-US">
-              <a:solidFill>
-                <a:schemeClr val="accent6"/>
-              </a:solidFill>
-              <a:latin typeface="firacode" charset="0"/>
-              <a:cs typeface="firacode" charset="0"/>
-            </a:endParaRPr>
-          </a:p>
-        </p:txBody>
-      </p:sp>
-      <p:sp>
-        <p:nvSpPr>
-          <p:cNvPr id="10" name="Text Box 9"/>
-          <p:cNvSpPr txBox="1"/>
-          <p:nvPr/>
-        </p:nvSpPr>
-        <p:spPr>
-          <a:xfrm>
-            <a:off x="6916420" y="3499485"/>
-            <a:ext cx="2056130" cy="306705"/>
-          </a:xfrm>
-          <a:prstGeom prst="rect">
-            <a:avLst/>
-          </a:prstGeom>
-          <a:noFill/>
-        </p:spPr>
-        <p:txBody>
-          <a:bodyPr wrap="square" rtlCol="0">
-            <a:spAutoFit/>
-          </a:bodyPr>
-          <a:p>
-            <a:r>
-              <a:rPr lang="en-US">
-                <a:solidFill>
-                  <a:schemeClr val="accent6"/>
-                </a:solidFill>
-                <a:latin typeface="firacode" charset="0"/>
-                <a:cs typeface="firacode" charset="0"/>
-              </a:rPr>
-              <a:t>Default Constructor </a:t>
-            </a:r>
-            <a:endParaRPr lang="en-US">
-              <a:solidFill>
-                <a:schemeClr val="accent6"/>
-              </a:solidFill>
-              <a:latin typeface="firacode" charset="0"/>
-              <a:cs typeface="firacode" charset="0"/>
-            </a:endParaRPr>
-          </a:p>
-        </p:txBody>
-      </p:sp>
-      <p:cxnSp>
-        <p:nvCxnSpPr>
-          <p:cNvPr id="11" name="Straight Arrow Connector 10"/>
-          <p:cNvCxnSpPr/>
-          <p:nvPr/>
-        </p:nvCxnSpPr>
-        <p:spPr>
-          <a:xfrm>
-            <a:off x="5264785" y="3622040"/>
-            <a:ext cx="1588770" cy="17780"/>
-          </a:xfrm>
-          <a:prstGeom prst="straightConnector1">
-            <a:avLst/>
-          </a:prstGeom>
-          <a:ln>
-            <a:tailEnd type="arrow"/>
-          </a:ln>
+          <a:extLst>
+            <a:ext uri="{909E8E84-426E-40DD-AFC4-6F175D3DCCD1}">
+              <a14:hiddenFill xmlns:a14="http://schemas.microsoft.com/office/drawing/2010/main">
+                <a:solidFill>
+                  <a:srgbClr val="FF0000"/>
+                </a:solidFill>
+              </a14:hiddenFill>
+            </a:ext>
+          </a:extLst>
         </p:spPr>
         <p:style>
           <a:lnRef idx="2">
@@ -16692,17 +16611,24 @@
             <a:schemeClr val="tx1"/>
           </a:fontRef>
         </p:style>
-      </p:cxnSp>
+        <p:txBody>
+          <a:bodyPr rtlCol="0" anchor="ctr"/>
+          <a:p>
+            <a:pPr algn="ctr"/>
+            <a:endParaRPr lang="en-US"/>
+          </a:p>
+        </p:txBody>
+      </p:sp>
       <p:cxnSp>
         <p:nvCxnSpPr>
-          <p:cNvPr id="12" name="Straight Arrow Connector 11"/>
+          <p:cNvPr id="8" name="Straight Arrow Connector 7"/>
           <p:cNvCxnSpPr/>
           <p:nvPr/>
         </p:nvCxnSpPr>
         <p:spPr>
-          <a:xfrm flipH="1">
-            <a:off x="5271770" y="3311525"/>
-            <a:ext cx="5080" cy="345440"/>
+          <a:xfrm flipV="1">
+            <a:off x="3195320" y="2571750"/>
+            <a:ext cx="3201670" cy="14605"/>
           </a:xfrm>
           <a:prstGeom prst="straightConnector1">
             <a:avLst/>
@@ -16731,6 +16657,14 @@
   <p:clrMapOvr>
     <a:masterClrMapping/>
   </p:clrMapOvr>
+  <mc:AlternateContent xmlns:mc="http://schemas.openxmlformats.org/markup-compatibility/2006">
+    <mc:Choice xmlns:p14="http://schemas.microsoft.com/office/powerpoint/2010/main" Requires="p14">
+      <p:transition spd="slow" p14:dur="2000"/>
+    </mc:Choice>
+    <mc:Fallback>
+      <p:transition spd="slow"/>
+    </mc:Fallback>
+  </mc:AlternateContent>
   <p:timing>
     <p:tnLst>
       <p:par>
@@ -16756,6 +16690,9 @@
                                   <p:stCondLst>
                                     <p:cond delay="0"/>
                                   </p:stCondLst>
+                                  <p:iterate type="lt">
+                                    <p:tmPct val="10000"/>
+                                  </p:iterate>
                                   <p:childTnLst>
                                     <p:set>
                                       <p:cBhvr>
@@ -16765,7 +16702,11 @@
                                           </p:stCondLst>
                                         </p:cTn>
                                         <p:tgtEl>
-                                          <p:spTgt spid="5"/>
+                                          <p:spTgt spid="4">
+                                            <p:txEl>
+                                              <p:pRg st="0" end="0"/>
+                                            </p:txEl>
+                                          </p:spTgt>
                                         </p:tgtEl>
                                         <p:attrNameLst>
                                           <p:attrName>style.visibility</p:attrName>
@@ -16779,7 +16720,11 @@
                                       <p:cBhvr>
                                         <p:cTn id="7" dur="500"/>
                                         <p:tgtEl>
-                                          <p:spTgt spid="5"/>
+                                          <p:spTgt spid="4">
+                                            <p:txEl>
+                                              <p:pRg st="0" end="0"/>
+                                            </p:txEl>
+                                          </p:spTgt>
                                         </p:tgtEl>
                                       </p:cBhvr>
                                     </p:animEffect>
@@ -16805,13 +16750,10 @@
                             </p:stCondLst>
                             <p:childTnLst>
                               <p:par>
-                                <p:cTn id="10" presetID="10" presetClass="entr" presetSubtype="0" fill="hold" nodeType="clickEffect">
+                                <p:cTn id="10" presetID="10" presetClass="entr" presetSubtype="0" fill="hold" grpId="0" nodeType="clickEffect">
                                   <p:stCondLst>
                                     <p:cond delay="0"/>
                                   </p:stCondLst>
-                                  <p:iterate type="lt">
-                                    <p:tmPct val="10000"/>
-                                  </p:iterate>
                                   <p:childTnLst>
                                     <p:set>
                                       <p:cBhvr>
@@ -16821,11 +16763,7 @@
                                           </p:stCondLst>
                                         </p:cTn>
                                         <p:tgtEl>
-                                          <p:spTgt spid="4">
-                                            <p:txEl>
-                                              <p:pRg st="0" end="0"/>
-                                            </p:txEl>
-                                          </p:spTgt>
+                                          <p:spTgt spid="7"/>
                                         </p:tgtEl>
                                         <p:attrNameLst>
                                           <p:attrName>style.visibility</p:attrName>
@@ -16839,11 +16777,7 @@
                                       <p:cBhvr>
                                         <p:cTn id="12" dur="500"/>
                                         <p:tgtEl>
-                                          <p:spTgt spid="4">
-                                            <p:txEl>
-                                              <p:pRg st="0" end="0"/>
-                                            </p:txEl>
-                                          </p:spTgt>
+                                          <p:spTgt spid="7"/>
                                         </p:tgtEl>
                                       </p:cBhvr>
                                     </p:animEffect>
@@ -16869,7 +16803,7 @@
                             </p:stCondLst>
                             <p:childTnLst>
                               <p:par>
-                                <p:cTn id="15" presetID="10" presetClass="entr" presetSubtype="0" fill="hold" grpId="0" nodeType="clickEffect">
+                                <p:cTn id="15" presetID="10" presetClass="entr" presetSubtype="0" fill="hold" nodeType="clickEffect">
                                   <p:stCondLst>
                                     <p:cond delay="0"/>
                                   </p:stCondLst>
@@ -16877,59 +16811,6 @@
                                     <p:set>
                                       <p:cBhvr>
                                         <p:cTn id="16" dur="1" fill="hold">
-                                          <p:stCondLst>
-                                            <p:cond delay="0"/>
-                                          </p:stCondLst>
-                                        </p:cTn>
-                                        <p:tgtEl>
-                                          <p:spTgt spid="7"/>
-                                        </p:tgtEl>
-                                        <p:attrNameLst>
-                                          <p:attrName>style.visibility</p:attrName>
-                                        </p:attrNameLst>
-                                      </p:cBhvr>
-                                      <p:to>
-                                        <p:strVal val="visible"/>
-                                      </p:to>
-                                    </p:set>
-                                    <p:animEffect transition="in" filter="fade">
-                                      <p:cBhvr>
-                                        <p:cTn id="17" dur="500"/>
-                                        <p:tgtEl>
-                                          <p:spTgt spid="7"/>
-                                        </p:tgtEl>
-                                      </p:cBhvr>
-                                    </p:animEffect>
-                                  </p:childTnLst>
-                                </p:cTn>
-                              </p:par>
-                            </p:childTnLst>
-                          </p:cTn>
-                        </p:par>
-                      </p:childTnLst>
-                    </p:cTn>
-                  </p:par>
-                  <p:par>
-                    <p:cTn id="18" fill="hold">
-                      <p:stCondLst>
-                        <p:cond delay="indefinite"/>
-                      </p:stCondLst>
-                      <p:childTnLst>
-                        <p:par>
-                          <p:cTn id="19" fill="hold">
-                            <p:stCondLst>
-                              <p:cond delay="0"/>
-                            </p:stCondLst>
-                            <p:childTnLst>
-                              <p:par>
-                                <p:cTn id="20" presetID="10" presetClass="entr" presetSubtype="0" fill="hold" nodeType="clickEffect">
-                                  <p:stCondLst>
-                                    <p:cond delay="0"/>
-                                  </p:stCondLst>
-                                  <p:childTnLst>
-                                    <p:set>
-                                      <p:cBhvr>
-                                        <p:cTn id="21" dur="1" fill="hold">
                                           <p:stCondLst>
                                             <p:cond delay="0"/>
                                           </p:stCondLst>
@@ -16947,7 +16828,7 @@
                                     </p:set>
                                     <p:animEffect transition="in" filter="fade">
                                       <p:cBhvr>
-                                        <p:cTn id="22" dur="500"/>
+                                        <p:cTn id="17" dur="500"/>
                                         <p:tgtEl>
                                           <p:spTgt spid="8"/>
                                         </p:tgtEl>
@@ -16960,13 +16841,13 @@
                           </p:cTn>
                         </p:par>
                         <p:par>
-                          <p:cTn id="23" fill="hold">
+                          <p:cTn id="18" fill="hold">
                             <p:stCondLst>
                               <p:cond delay="500"/>
                             </p:stCondLst>
                             <p:childTnLst>
                               <p:par>
-                                <p:cTn id="24" presetID="10" presetClass="entr" presetSubtype="0" fill="hold" nodeType="afterEffect">
+                                <p:cTn id="19" presetID="10" presetClass="entr" presetSubtype="0" fill="hold" nodeType="afterEffect">
                                   <p:stCondLst>
                                     <p:cond delay="0"/>
                                   </p:stCondLst>
@@ -16976,7 +16857,7 @@
                                   <p:childTnLst>
                                     <p:set>
                                       <p:cBhvr>
-                                        <p:cTn id="25" dur="1" fill="hold">
+                                        <p:cTn id="20" dur="1" fill="hold">
                                           <p:stCondLst>
                                             <p:cond delay="0"/>
                                           </p:stCondLst>
@@ -16998,13 +16879,66 @@
                                     </p:set>
                                     <p:animEffect transition="in" filter="fade">
                                       <p:cBhvr>
-                                        <p:cTn id="26" dur="500"/>
+                                        <p:cTn id="21" dur="500"/>
                                         <p:tgtEl>
                                           <p:spTgt spid="9">
                                             <p:txEl>
                                               <p:pRg st="0" end="0"/>
                                             </p:txEl>
                                           </p:spTgt>
+                                        </p:tgtEl>
+                                      </p:cBhvr>
+                                    </p:animEffect>
+                                  </p:childTnLst>
+                                </p:cTn>
+                              </p:par>
+                            </p:childTnLst>
+                          </p:cTn>
+                        </p:par>
+                      </p:childTnLst>
+                    </p:cTn>
+                  </p:par>
+                  <p:par>
+                    <p:cTn id="22" fill="hold">
+                      <p:stCondLst>
+                        <p:cond delay="indefinite"/>
+                      </p:stCondLst>
+                      <p:childTnLst>
+                        <p:par>
+                          <p:cTn id="23" fill="hold">
+                            <p:stCondLst>
+                              <p:cond delay="0"/>
+                            </p:stCondLst>
+                            <p:childTnLst>
+                              <p:par>
+                                <p:cTn id="24" presetID="10" presetClass="entr" presetSubtype="0" fill="hold" grpId="0" nodeType="clickEffect">
+                                  <p:stCondLst>
+                                    <p:cond delay="0"/>
+                                  </p:stCondLst>
+                                  <p:childTnLst>
+                                    <p:set>
+                                      <p:cBhvr>
+                                        <p:cTn id="25" dur="1" fill="hold">
+                                          <p:stCondLst>
+                                            <p:cond delay="0"/>
+                                          </p:stCondLst>
+                                        </p:cTn>
+                                        <p:tgtEl>
+                                          <p:spTgt spid="6"/>
+                                        </p:tgtEl>
+                                        <p:attrNameLst>
+                                          <p:attrName>style.visibility</p:attrName>
+                                        </p:attrNameLst>
+                                      </p:cBhvr>
+                                      <p:to>
+                                        <p:strVal val="visible"/>
+                                      </p:to>
+                                    </p:set>
+                                    <p:animEffect transition="in" filter="fade">
+                                      <p:cBhvr>
+                                        <p:cTn id="26" dur="500"/>
+                                        <p:tgtEl>
+                                          <p:spTgt spid="6"/>
                                         </p:tgtEl>
                                       </p:cBhvr>
                                     </p:animEffect>
@@ -17030,7 +16964,7 @@
                             </p:stCondLst>
                             <p:childTnLst>
                               <p:par>
-                                <p:cTn id="29" presetID="10" presetClass="entr" presetSubtype="0" fill="hold" grpId="0" nodeType="clickEffect">
+                                <p:cTn id="29" presetID="10" presetClass="entr" presetSubtype="0" fill="hold" nodeType="clickEffect">
                                   <p:stCondLst>
                                     <p:cond delay="0"/>
                                   </p:stCondLst>
@@ -17038,112 +16972,6 @@
                                     <p:set>
                                       <p:cBhvr>
                                         <p:cTn id="30" dur="1" fill="hold">
-                                          <p:stCondLst>
-                                            <p:cond delay="0"/>
-                                          </p:stCondLst>
-                                        </p:cTn>
-                                        <p:tgtEl>
-                                          <p:spTgt spid="6"/>
-                                        </p:tgtEl>
-                                        <p:attrNameLst>
-                                          <p:attrName>style.visibility</p:attrName>
-                                        </p:attrNameLst>
-                                      </p:cBhvr>
-                                      <p:to>
-                                        <p:strVal val="visible"/>
-                                      </p:to>
-                                    </p:set>
-                                    <p:animEffect transition="in" filter="fade">
-                                      <p:cBhvr>
-                                        <p:cTn id="31" dur="500"/>
-                                        <p:tgtEl>
-                                          <p:spTgt spid="6"/>
-                                        </p:tgtEl>
-                                      </p:cBhvr>
-                                    </p:animEffect>
-                                  </p:childTnLst>
-                                </p:cTn>
-                              </p:par>
-                            </p:childTnLst>
-                          </p:cTn>
-                        </p:par>
-                      </p:childTnLst>
-                    </p:cTn>
-                  </p:par>
-                  <p:par>
-                    <p:cTn id="32" fill="hold">
-                      <p:stCondLst>
-                        <p:cond delay="indefinite"/>
-                      </p:stCondLst>
-                      <p:childTnLst>
-                        <p:par>
-                          <p:cTn id="33" fill="hold">
-                            <p:stCondLst>
-                              <p:cond delay="0"/>
-                            </p:stCondLst>
-                            <p:childTnLst>
-                              <p:par>
-                                <p:cTn id="34" presetID="10" presetClass="entr" presetSubtype="0" fill="hold" nodeType="clickEffect">
-                                  <p:stCondLst>
-                                    <p:cond delay="0"/>
-                                  </p:stCondLst>
-                                  <p:childTnLst>
-                                    <p:set>
-                                      <p:cBhvr>
-                                        <p:cTn id="35" dur="1" fill="hold">
-                                          <p:stCondLst>
-                                            <p:cond delay="0"/>
-                                          </p:stCondLst>
-                                        </p:cTn>
-                                        <p:tgtEl>
-                                          <p:spTgt spid="12"/>
-                                        </p:tgtEl>
-                                        <p:attrNameLst>
-                                          <p:attrName>style.visibility</p:attrName>
-                                        </p:attrNameLst>
-                                      </p:cBhvr>
-                                      <p:to>
-                                        <p:strVal val="visible"/>
-                                      </p:to>
-                                    </p:set>
-                                    <p:animEffect transition="in" filter="fade">
-                                      <p:cBhvr>
-                                        <p:cTn id="36" dur="500"/>
-                                        <p:tgtEl>
-                                          <p:spTgt spid="12"/>
-                                        </p:tgtEl>
-                                      </p:cBhvr>
-                                    </p:animEffect>
-                                  </p:childTnLst>
-                                </p:cTn>
-                              </p:par>
-                            </p:childTnLst>
-                          </p:cTn>
-                        </p:par>
-                      </p:childTnLst>
-                    </p:cTn>
-                  </p:par>
-                  <p:par>
-                    <p:cTn id="37" fill="hold">
-                      <p:stCondLst>
-                        <p:cond delay="indefinite"/>
-                      </p:stCondLst>
-                      <p:childTnLst>
-                        <p:par>
-                          <p:cTn id="38" fill="hold">
-                            <p:stCondLst>
-                              <p:cond delay="0"/>
-                            </p:stCondLst>
-                            <p:childTnLst>
-                              <p:par>
-                                <p:cTn id="39" presetID="10" presetClass="entr" presetSubtype="0" fill="hold" nodeType="clickEffect">
-                                  <p:stCondLst>
-                                    <p:cond delay="0"/>
-                                  </p:stCondLst>
-                                  <p:childTnLst>
-                                    <p:set>
-                                      <p:cBhvr>
-                                        <p:cTn id="40" dur="1" fill="hold">
                                           <p:stCondLst>
                                             <p:cond delay="0"/>
                                           </p:stCondLst>
@@ -17161,7 +16989,7 @@
                                     </p:set>
                                     <p:animEffect transition="in" filter="fade">
                                       <p:cBhvr>
-                                        <p:cTn id="41" dur="500"/>
+                                        <p:cTn id="31" dur="500"/>
                                         <p:tgtEl>
                                           <p:spTgt spid="11"/>
                                         </p:tgtEl>
@@ -17174,13 +17002,13 @@
                           </p:cTn>
                         </p:par>
                         <p:par>
-                          <p:cTn id="42" fill="hold">
+                          <p:cTn id="32" fill="hold">
                             <p:stCondLst>
                               <p:cond delay="500"/>
                             </p:stCondLst>
                             <p:childTnLst>
                               <p:par>
-                                <p:cTn id="43" presetID="10" presetClass="entr" presetSubtype="0" fill="hold" nodeType="afterEffect">
+                                <p:cTn id="33" presetID="10" presetClass="entr" presetSubtype="0" fill="hold" nodeType="afterEffect">
                                   <p:stCondLst>
                                     <p:cond delay="0"/>
                                   </p:stCondLst>
@@ -17190,7 +17018,7 @@
                                   <p:childTnLst>
                                     <p:set>
                                       <p:cBhvr>
-                                        <p:cTn id="44" dur="1" fill="hold">
+                                        <p:cTn id="34" dur="1" fill="hold">
                                           <p:stCondLst>
                                             <p:cond delay="0"/>
                                           </p:stCondLst>
@@ -17212,13 +17040,66 @@
                                     </p:set>
                                     <p:animEffect transition="in" filter="fade">
                                       <p:cBhvr>
-                                        <p:cTn id="45" dur="500"/>
+                                        <p:cTn id="35" dur="500"/>
                                         <p:tgtEl>
                                           <p:spTgt spid="10">
                                             <p:txEl>
                                               <p:pRg st="0" end="0"/>
                                             </p:txEl>
                                           </p:spTgt>
+                                        </p:tgtEl>
+                                      </p:cBhvr>
+                                    </p:animEffect>
+                                  </p:childTnLst>
+                                </p:cTn>
+                              </p:par>
+                            </p:childTnLst>
+                          </p:cTn>
+                        </p:par>
+                      </p:childTnLst>
+                    </p:cTn>
+                  </p:par>
+                  <p:par>
+                    <p:cTn id="36" fill="hold">
+                      <p:stCondLst>
+                        <p:cond delay="indefinite"/>
+                      </p:stCondLst>
+                      <p:childTnLst>
+                        <p:par>
+                          <p:cTn id="37" fill="hold">
+                            <p:stCondLst>
+                              <p:cond delay="0"/>
+                            </p:stCondLst>
+                            <p:childTnLst>
+                              <p:par>
+                                <p:cTn id="38" presetID="10" presetClass="entr" presetSubtype="0" fill="hold" grpId="0" nodeType="clickEffect">
+                                  <p:stCondLst>
+                                    <p:cond delay="0"/>
+                                  </p:stCondLst>
+                                  <p:childTnLst>
+                                    <p:set>
+                                      <p:cBhvr>
+                                        <p:cTn id="39" dur="1" fill="hold">
+                                          <p:stCondLst>
+                                            <p:cond delay="0"/>
+                                          </p:stCondLst>
+                                        </p:cTn>
+                                        <p:tgtEl>
+                                          <p:spTgt spid="3"/>
+                                        </p:tgtEl>
+                                        <p:attrNameLst>
+                                          <p:attrName>style.visibility</p:attrName>
+                                        </p:attrNameLst>
+                                      </p:cBhvr>
+                                      <p:to>
+                                        <p:strVal val="visible"/>
+                                      </p:to>
+                                    </p:set>
+                                    <p:animEffect transition="in" filter="fade">
+                                      <p:cBhvr>
+                                        <p:cTn id="40" dur="500"/>
+                                        <p:tgtEl>
+                                          <p:spTgt spid="3"/>
                                         </p:tgtEl>
                                       </p:cBhvr>
                                     </p:animEffect>
@@ -17253,10 +17134,12 @@
       </p:par>
     </p:tnLst>
     <p:bldLst>
-      <p:bldP spid="7" grpId="0" animBg="1"/>
+      <p:bldP spid="7" grpId="0" bldLvl="0" animBg="1"/>
       <p:bldP spid="7" grpId="1" animBg="1"/>
-      <p:bldP spid="6" grpId="0" animBg="1"/>
+      <p:bldP spid="6" grpId="0" bldLvl="0" animBg="1"/>
       <p:bldP spid="6" grpId="1" animBg="1"/>
+      <p:bldP spid="3" grpId="0" bldLvl="0" animBg="1"/>
+      <p:bldP spid="3" grpId="1" animBg="1"/>
     </p:bldLst>
   </p:timing>
 </p:sld>
@@ -18029,6 +17912,48 @@
     </p:tnLst>
   </p:timing>
 </p:sld>
+</file>
+
+<file path=ppt/tags/tag1.xml><?xml version="1.0" encoding="utf-8"?>
+<p:tagLst xmlns:p="http://schemas.openxmlformats.org/presentationml/2006/main">
+  <p:tag name="KSO_WM_BEAUTIFY_FLAG" val=""/>
+</p:tagLst>
+</file>
+
+<file path=ppt/tags/tag2.xml><?xml version="1.0" encoding="utf-8"?>
+<p:tagLst xmlns:p="http://schemas.openxmlformats.org/presentationml/2006/main">
+  <p:tag name="KSO_WM_BEAUTIFY_FLAG" val=""/>
+</p:tagLst>
+</file>
+
+<file path=ppt/tags/tag3.xml><?xml version="1.0" encoding="utf-8"?>
+<p:tagLst xmlns:p="http://schemas.openxmlformats.org/presentationml/2006/main">
+  <p:tag name="KSO_WM_BEAUTIFY_FLAG" val=""/>
+</p:tagLst>
+</file>
+
+<file path=ppt/tags/tag4.xml><?xml version="1.0" encoding="utf-8"?>
+<p:tagLst xmlns:p="http://schemas.openxmlformats.org/presentationml/2006/main">
+  <p:tag name="KSO_WM_BEAUTIFY_FLAG" val=""/>
+</p:tagLst>
+</file>
+
+<file path=ppt/tags/tag5.xml><?xml version="1.0" encoding="utf-8"?>
+<p:tagLst xmlns:p="http://schemas.openxmlformats.org/presentationml/2006/main">
+  <p:tag name="KSO_WM_BEAUTIFY_FLAG" val=""/>
+</p:tagLst>
+</file>
+
+<file path=ppt/tags/tag6.xml><?xml version="1.0" encoding="utf-8"?>
+<p:tagLst xmlns:p="http://schemas.openxmlformats.org/presentationml/2006/main">
+  <p:tag name="KSO_WM_BEAUTIFY_FLAG" val=""/>
+</p:tagLst>
+</file>
+
+<file path=ppt/tags/tag7.xml><?xml version="1.0" encoding="utf-8"?>
+<p:tagLst xmlns:p="http://schemas.openxmlformats.org/presentationml/2006/main">
+  <p:tag name="KSO_WM_BEAUTIFY_FLAG" val=""/>
+</p:tagLst>
 </file>
 
 <file path=ppt/theme/theme1.xml><?xml version="1.0" encoding="utf-8"?>
